--- a/02_Container.pptx
+++ b/02_Container.pptx
@@ -5,20 +5,21 @@
     <p:sldMasterId id="2147483648" r:id="rId1"/>
   </p:sldMasterIdLst>
   <p:notesMasterIdLst>
-    <p:notesMasterId r:id="rId13"/>
+    <p:notesMasterId r:id="rId14"/>
   </p:notesMasterIdLst>
   <p:sldIdLst>
     <p:sldId id="256" r:id="rId2"/>
     <p:sldId id="265" r:id="rId3"/>
-    <p:sldId id="266" r:id="rId4"/>
-    <p:sldId id="267" r:id="rId5"/>
-    <p:sldId id="268" r:id="rId6"/>
-    <p:sldId id="269" r:id="rId7"/>
-    <p:sldId id="270" r:id="rId8"/>
-    <p:sldId id="271" r:id="rId9"/>
-    <p:sldId id="272" r:id="rId10"/>
-    <p:sldId id="273" r:id="rId11"/>
-    <p:sldId id="259" r:id="rId12"/>
+    <p:sldId id="274" r:id="rId4"/>
+    <p:sldId id="266" r:id="rId5"/>
+    <p:sldId id="267" r:id="rId6"/>
+    <p:sldId id="268" r:id="rId7"/>
+    <p:sldId id="269" r:id="rId8"/>
+    <p:sldId id="270" r:id="rId9"/>
+    <p:sldId id="271" r:id="rId10"/>
+    <p:sldId id="272" r:id="rId11"/>
+    <p:sldId id="273" r:id="rId12"/>
+    <p:sldId id="259" r:id="rId13"/>
   </p:sldIdLst>
   <p:sldSz cx="9144000" cy="6858000" type="screen4x3"/>
   <p:notesSz cx="6858000" cy="9144000"/>
@@ -219,7 +220,7 @@
             <a:fld id="{6837EDA8-41C8-4B24-A206-13C08A65A6D7}" type="datetimeFigureOut">
               <a:rPr lang="zh-TW" altLang="en-US" smtClean="0"/>
               <a:pPr/>
-              <a:t>2020/4/22</a:t>
+              <a:t>2020/4/27</a:t>
             </a:fld>
             <a:endParaRPr lang="zh-TW" altLang="en-US"/>
           </a:p>
@@ -672,7 +673,7 @@
             <a:fld id="{8B85509C-BD4F-47BF-9B1E-FC2E949B3621}" type="datetime1">
               <a:rPr lang="zh-TW" altLang="en-US" smtClean="0"/>
               <a:pPr/>
-              <a:t>2020/4/22</a:t>
+              <a:t>2020/4/27</a:t>
             </a:fld>
             <a:endParaRPr lang="zh-TW" altLang="en-US"/>
           </a:p>
@@ -845,7 +846,7 @@
             <a:fld id="{42251B24-F787-4C15-8A0F-7AEC20C70069}" type="datetime1">
               <a:rPr lang="zh-TW" altLang="en-US" smtClean="0"/>
               <a:pPr/>
-              <a:t>2020/4/22</a:t>
+              <a:t>2020/4/27</a:t>
             </a:fld>
             <a:endParaRPr lang="zh-TW" altLang="en-US"/>
           </a:p>
@@ -1020,7 +1021,7 @@
             <a:fld id="{9CA0D33C-CE2B-45F1-B8D4-FFD1F131F331}" type="datetime1">
               <a:rPr lang="zh-TW" altLang="en-US" smtClean="0"/>
               <a:pPr/>
-              <a:t>2020/4/22</a:t>
+              <a:t>2020/4/27</a:t>
             </a:fld>
             <a:endParaRPr lang="zh-TW" altLang="en-US"/>
           </a:p>
@@ -1185,7 +1186,7 @@
             <a:fld id="{50B99440-D9EF-40CC-9B52-F6428D9B2C76}" type="datetime1">
               <a:rPr lang="zh-TW" altLang="en-US" smtClean="0"/>
               <a:pPr/>
-              <a:t>2020/4/22</a:t>
+              <a:t>2020/4/27</a:t>
             </a:fld>
             <a:endParaRPr lang="zh-TW" altLang="en-US"/>
           </a:p>
@@ -1427,7 +1428,7 @@
             <a:fld id="{0871BF52-5C6C-4959-8E27-CECB68D39FE4}" type="datetime1">
               <a:rPr lang="zh-TW" altLang="en-US" smtClean="0"/>
               <a:pPr/>
-              <a:t>2020/4/22</a:t>
+              <a:t>2020/4/27</a:t>
             </a:fld>
             <a:endParaRPr lang="zh-TW" altLang="en-US"/>
           </a:p>
@@ -1709,7 +1710,7 @@
             <a:fld id="{DF863F05-2DD9-4EB1-A827-12FD992DE9DC}" type="datetime1">
               <a:rPr lang="zh-TW" altLang="en-US" smtClean="0"/>
               <a:pPr/>
-              <a:t>2020/4/22</a:t>
+              <a:t>2020/4/27</a:t>
             </a:fld>
             <a:endParaRPr lang="zh-TW" altLang="en-US"/>
           </a:p>
@@ -2125,7 +2126,7 @@
             <a:fld id="{6339AF51-4491-4873-A096-75DB6CE47516}" type="datetime1">
               <a:rPr lang="zh-TW" altLang="en-US" smtClean="0"/>
               <a:pPr/>
-              <a:t>2020/4/22</a:t>
+              <a:t>2020/4/27</a:t>
             </a:fld>
             <a:endParaRPr lang="zh-TW" altLang="en-US"/>
           </a:p>
@@ -2239,7 +2240,7 @@
             <a:fld id="{EE4AD9C8-8B9E-40FF-ABE2-858AC2057BBB}" type="datetime1">
               <a:rPr lang="zh-TW" altLang="en-US" smtClean="0"/>
               <a:pPr/>
-              <a:t>2020/4/22</a:t>
+              <a:t>2020/4/27</a:t>
             </a:fld>
             <a:endParaRPr lang="zh-TW" altLang="en-US"/>
           </a:p>
@@ -2331,7 +2332,7 @@
             <a:fld id="{B4784999-BBBE-4BE4-A8D0-877E7D1D66CC}" type="datetime1">
               <a:rPr lang="zh-TW" altLang="en-US" smtClean="0"/>
               <a:pPr/>
-              <a:t>2020/4/22</a:t>
+              <a:t>2020/4/27</a:t>
             </a:fld>
             <a:endParaRPr lang="zh-TW" altLang="en-US"/>
           </a:p>
@@ -2603,7 +2604,7 @@
             <a:fld id="{E88D17E6-02BD-4944-B9FE-7BFCCBF83D48}" type="datetime1">
               <a:rPr lang="zh-TW" altLang="en-US" smtClean="0"/>
               <a:pPr/>
-              <a:t>2020/4/22</a:t>
+              <a:t>2020/4/27</a:t>
             </a:fld>
             <a:endParaRPr lang="zh-TW" altLang="en-US"/>
           </a:p>
@@ -2852,7 +2853,7 @@
             <a:fld id="{3C13E23D-1FEF-4D78-A3A3-3D6F2BB31954}" type="datetime1">
               <a:rPr lang="zh-TW" altLang="en-US" smtClean="0"/>
               <a:pPr/>
-              <a:t>2020/4/22</a:t>
+              <a:t>2020/4/27</a:t>
             </a:fld>
             <a:endParaRPr lang="zh-TW" altLang="en-US"/>
           </a:p>
@@ -3060,7 +3061,7 @@
             <a:fld id="{06197F35-AD6F-4594-8B50-334492D2E7E8}" type="datetime1">
               <a:rPr lang="zh-TW" altLang="en-US" smtClean="0"/>
               <a:pPr/>
-              <a:t>2020/4/22</a:t>
+              <a:t>2020/4/27</a:t>
             </a:fld>
             <a:endParaRPr lang="zh-TW" altLang="en-US"/>
           </a:p>
@@ -3521,7 +3522,7 @@
             <a:fld id="{C389EDC9-19E3-47AC-9C57-C6A24DEA81AD}" type="datetime1">
               <a:rPr lang="zh-TW" altLang="en-US" smtClean="0"/>
               <a:pPr/>
-              <a:t>2020/4/22</a:t>
+              <a:t>2020/4/27</a:t>
             </a:fld>
             <a:endParaRPr lang="zh-TW" altLang="en-US"/>
           </a:p>
@@ -3684,7 +3685,7 @@
         <p:spPr>
           <a:xfrm>
             <a:off x="467544" y="1268761"/>
-            <a:ext cx="8219256" cy="1584175"/>
+            <a:ext cx="8219256" cy="2304255"/>
           </a:xfrm>
           <a:ln>
             <a:solidFill>
@@ -3712,7 +3713,7 @@
                   <a:srgbClr val="C00000"/>
                 </a:solidFill>
               </a:rPr>
-              <a:t>This containers only has Linux OS?</a:t>
+              <a:t>Component re-use</a:t>
             </a:r>
           </a:p>
           <a:p>
@@ -3730,7 +3731,31 @@
                   <a:schemeClr val="tx1"/>
                 </a:solidFill>
               </a:rPr>
-              <a:t>No.</a:t>
+              <a:t>Any Container can be used as a </a:t>
+            </a:r>
+            <a:r>
+              <a:rPr lang="en-US" sz="1800" b="1" dirty="0">
+                <a:solidFill>
+                  <a:schemeClr val="tx1"/>
+                </a:solidFill>
+              </a:rPr>
+              <a:t>“base image” </a:t>
+            </a:r>
+            <a:r>
+              <a:rPr lang="en-US" sz="1800" dirty="0">
+                <a:solidFill>
+                  <a:schemeClr val="tx1"/>
+                </a:solidFill>
+              </a:rPr>
+              <a:t>to create more specialized components</a:t>
+            </a:r>
+            <a:r>
+              <a:rPr lang="en-US" sz="1800" b="1" dirty="0">
+                <a:solidFill>
+                  <a:schemeClr val="tx1"/>
+                </a:solidFill>
+              </a:rPr>
+              <a:t>.</a:t>
             </a:r>
           </a:p>
           <a:p>
@@ -3748,7 +3773,25 @@
                   <a:schemeClr val="tx1"/>
                 </a:solidFill>
               </a:rPr>
-              <a:t>Starting Window Server 2016, there is Window Server containers, which provide greater levels of flexibilities, using this, we can integrate with existing windows technology, such as, .NET, ASP.NET, PowerShell, and more.</a:t>
+              <a:t>This can be done manually or as part of an automated build. For example, you can prepare the ideal python environment, and use it as a base for 10 different applications.</a:t>
+            </a:r>
+          </a:p>
+          <a:p>
+            <a:pPr marL="342900" indent="-342900" algn="l">
+              <a:buClr>
+                <a:srgbClr val="0070C0"/>
+              </a:buClr>
+              <a:buSzPct val="80000"/>
+              <a:buFont typeface="Wingdings" pitchFamily="2" charset="2"/>
+              <a:buChar char="u"/>
+            </a:pPr>
+            <a:r>
+              <a:rPr lang="en-US" sz="1800" dirty="0">
+                <a:solidFill>
+                  <a:schemeClr val="tx1"/>
+                </a:solidFill>
+              </a:rPr>
+              <a:t>Your ideal Postgresql setup can be re-used for all your future projects, and so on.</a:t>
             </a:r>
           </a:p>
         </p:txBody>
@@ -3848,7 +3891,7 @@
             <a:fld id="{A4F910E6-8D00-4BAF-8C48-9688E0B449D3}" type="datetime1">
               <a:rPr lang="zh-TW" altLang="en-US" smtClean="0"/>
               <a:pPr/>
-              <a:t>2020/4/22</a:t>
+              <a:t>2020/4/27</a:t>
             </a:fld>
             <a:endParaRPr lang="zh-TW" altLang="en-US" dirty="0"/>
           </a:p>
@@ -3881,7 +3924,7 @@
     </p:spTree>
     <p:extLst>
       <p:ext uri="{BB962C8B-B14F-4D97-AF65-F5344CB8AC3E}">
-        <p14:creationId xmlns:p14="http://schemas.microsoft.com/office/powerpoint/2010/main" val="2412349158"/>
+        <p14:creationId xmlns:p14="http://schemas.microsoft.com/office/powerpoint/2010/main" val="2329158062"/>
       </p:ext>
     </p:extLst>
   </p:cSld>
@@ -3892,143 +3935,6 @@
 </file>
 
 <file path=ppt/slides/slide11.xml><?xml version="1.0" encoding="utf-8"?>
-<p:sld xmlns:a="http://schemas.openxmlformats.org/drawingml/2006/main" xmlns:r="http://schemas.openxmlformats.org/officeDocument/2006/relationships" xmlns:p="http://schemas.openxmlformats.org/presentationml/2006/main">
-  <p:cSld>
-    <p:spTree>
-      <p:nvGrpSpPr>
-        <p:cNvPr id="1" name=""/>
-        <p:cNvGrpSpPr/>
-        <p:nvPr/>
-      </p:nvGrpSpPr>
-      <p:grpSpPr>
-        <a:xfrm>
-          <a:off x="0" y="0"/>
-          <a:ext cx="0" cy="0"/>
-          <a:chOff x="0" y="0"/>
-          <a:chExt cx="0" cy="0"/>
-        </a:xfrm>
-      </p:grpSpPr>
-      <p:sp>
-        <p:nvSpPr>
-          <p:cNvPr id="2" name="標題 1"/>
-          <p:cNvSpPr>
-            <a:spLocks noGrp="1"/>
-          </p:cNvSpPr>
-          <p:nvPr>
-            <p:ph type="ctrTitle"/>
-          </p:nvPr>
-        </p:nvSpPr>
-        <p:spPr>
-          <a:xfrm>
-            <a:off x="0" y="2130425"/>
-            <a:ext cx="9144000" cy="1470025"/>
-          </a:xfrm>
-          <a:gradFill flip="none" rotWithShape="1">
-            <a:gsLst>
-              <a:gs pos="0">
-                <a:srgbClr val="00B0F0">
-                  <a:shade val="30000"/>
-                  <a:satMod val="115000"/>
-                </a:srgbClr>
-              </a:gs>
-              <a:gs pos="50000">
-                <a:srgbClr val="00B0F0">
-                  <a:shade val="67500"/>
-                  <a:satMod val="115000"/>
-                </a:srgbClr>
-              </a:gs>
-              <a:gs pos="100000">
-                <a:srgbClr val="00B0F0">
-                  <a:shade val="100000"/>
-                  <a:satMod val="115000"/>
-                </a:srgbClr>
-              </a:gs>
-            </a:gsLst>
-            <a:path path="circle">
-              <a:fillToRect t="100000" r="100000"/>
-            </a:path>
-            <a:tileRect l="-100000" b="-100000"/>
-          </a:gradFill>
-        </p:spPr>
-        <p:txBody>
-          <a:bodyPr>
-            <a:normAutofit/>
-          </a:bodyPr>
-          <a:lstStyle/>
-          <a:p>
-            <a:r>
-              <a:rPr lang="en-US" altLang="zh-TW" sz="6000" b="1" dirty="0">
-                <a:solidFill>
-                  <a:srgbClr val="FFFF00"/>
-                </a:solidFill>
-              </a:rPr>
-              <a:t>End of Chapter</a:t>
-            </a:r>
-            <a:endParaRPr lang="zh-TW" altLang="en-US" sz="6000" b="1" dirty="0">
-              <a:solidFill>
-                <a:srgbClr val="FFFF00"/>
-              </a:solidFill>
-            </a:endParaRPr>
-          </a:p>
-        </p:txBody>
-      </p:sp>
-      <p:sp>
-        <p:nvSpPr>
-          <p:cNvPr id="5" name="日期版面配置區 4"/>
-          <p:cNvSpPr>
-            <a:spLocks noGrp="1"/>
-          </p:cNvSpPr>
-          <p:nvPr>
-            <p:ph type="dt" sz="half" idx="10"/>
-          </p:nvPr>
-        </p:nvSpPr>
-        <p:spPr/>
-        <p:txBody>
-          <a:bodyPr/>
-          <a:lstStyle/>
-          <a:p>
-            <a:fld id="{4E46BE27-E923-4EC2-B046-3272AE2A3E5C}" type="datetime1">
-              <a:rPr lang="zh-TW" altLang="en-US" smtClean="0"/>
-              <a:pPr/>
-              <a:t>2020/4/22</a:t>
-            </a:fld>
-            <a:endParaRPr lang="zh-TW" altLang="en-US"/>
-          </a:p>
-        </p:txBody>
-      </p:sp>
-      <p:sp>
-        <p:nvSpPr>
-          <p:cNvPr id="6" name="投影片編號版面配置區 5"/>
-          <p:cNvSpPr>
-            <a:spLocks noGrp="1"/>
-          </p:cNvSpPr>
-          <p:nvPr>
-            <p:ph type="sldNum" sz="quarter" idx="12"/>
-          </p:nvPr>
-        </p:nvSpPr>
-        <p:spPr/>
-        <p:txBody>
-          <a:bodyPr/>
-          <a:lstStyle/>
-          <a:p>
-            <a:fld id="{E4D7E63D-91F2-4366-A2C4-1B00C9E2590E}" type="slidenum">
-              <a:rPr lang="zh-TW" altLang="en-US" smtClean="0"/>
-              <a:pPr/>
-              <a:t>11</a:t>
-            </a:fld>
-            <a:endParaRPr lang="zh-TW" altLang="en-US"/>
-          </a:p>
-        </p:txBody>
-      </p:sp>
-    </p:spTree>
-  </p:cSld>
-  <p:clrMapOvr>
-    <a:masterClrMapping/>
-  </p:clrMapOvr>
-</p:sld>
-</file>
-
-<file path=ppt/slides/slide2.xml><?xml version="1.0" encoding="utf-8"?>
 <p:sld xmlns:a="http://schemas.openxmlformats.org/drawingml/2006/main" xmlns:r="http://schemas.openxmlformats.org/officeDocument/2006/relationships" xmlns:p="http://schemas.openxmlformats.org/presentationml/2006/main">
   <p:cSld>
     <p:spTree>
@@ -4122,8 +4028,8 @@
         </p:nvSpPr>
         <p:spPr>
           <a:xfrm>
-            <a:off x="467544" y="1268762"/>
-            <a:ext cx="8352928" cy="3024334"/>
+            <a:off x="467544" y="1268761"/>
+            <a:ext cx="8219256" cy="1584175"/>
           </a:xfrm>
           <a:ln>
             <a:solidFill>
@@ -4151,7 +4057,7 @@
                   <a:srgbClr val="C00000"/>
                 </a:solidFill>
               </a:rPr>
-              <a:t>What is containers?</a:t>
+              <a:t>This containers only has Linux OS?</a:t>
             </a:r>
           </a:p>
           <a:p>
@@ -4166,42 +4072,10 @@
             <a:r>
               <a:rPr lang="en-US" sz="1800" dirty="0">
                 <a:solidFill>
-                  <a:srgbClr val="C00000"/>
-                </a:solidFill>
-              </a:rPr>
-              <a:t>Constrainers are an </a:t>
-            </a:r>
-            <a:r>
-              <a:rPr lang="en-US" sz="1800" i="1" dirty="0">
-                <a:solidFill>
-                  <a:srgbClr val="C00000"/>
-                </a:solidFill>
-              </a:rPr>
-              <a:t>isolated, resource controlled</a:t>
-            </a:r>
-            <a:r>
-              <a:rPr lang="en-US" sz="1800" dirty="0">
-                <a:solidFill>
-                  <a:srgbClr val="C00000"/>
-                </a:solidFill>
-              </a:rPr>
-              <a:t>, and </a:t>
-            </a:r>
-            <a:r>
-              <a:rPr lang="en-US" sz="1800" i="1" dirty="0">
-                <a:solidFill>
-                  <a:srgbClr val="C00000"/>
-                </a:solidFill>
-              </a:rPr>
-              <a:t>portable operating </a:t>
-            </a:r>
-            <a:r>
-              <a:rPr lang="en-US" sz="1800" dirty="0">
-                <a:solidFill>
-                  <a:srgbClr val="C00000"/>
-                </a:solidFill>
-              </a:rPr>
-              <a:t>environment.</a:t>
+                  <a:schemeClr val="tx1"/>
+                </a:solidFill>
+              </a:rPr>
+              <a:t>No.</a:t>
             </a:r>
           </a:p>
           <a:p>
@@ -4216,36 +4090,10 @@
             <a:r>
               <a:rPr lang="en-US" sz="1800" dirty="0">
                 <a:solidFill>
-                  <a:srgbClr val="C00000"/>
-                </a:solidFill>
-              </a:rPr>
-              <a:t>Basically, a container is an isolated place where an application can run without affecting the rest of the system and without the system affecting the application. Container are the next evolution in virtualization.</a:t>
-            </a:r>
-          </a:p>
-          <a:p>
-            <a:pPr marL="342900" indent="-342900" algn="l">
-              <a:buClr>
-                <a:srgbClr val="0070C0"/>
-              </a:buClr>
-              <a:buSzPct val="80000"/>
-              <a:buFont typeface="Wingdings" pitchFamily="2" charset="2"/>
-              <a:buChar char="u"/>
-            </a:pPr>
-            <a:r>
-              <a:rPr lang="en-US" sz="1800" dirty="0">
-                <a:solidFill>
-                  <a:srgbClr val="C00000"/>
-                </a:solidFill>
-              </a:rPr>
-              <a:t>If you were inside a container, it would look very much like you were inside a freshy installed computer or virtual machine</a:t>
-            </a:r>
-            <a:r>
-              <a:rPr lang="en-US" sz="1800" dirty="0">
-                <a:solidFill>
                   <a:schemeClr val="tx1"/>
                 </a:solidFill>
               </a:rPr>
-              <a:t>. But actually, it is just container which actually had shared the same kernel but they just have different user space. They is why you feel like you are setting inside a freshly installed physical computer.</a:t>
+              <a:t>Starting Window Server 2016, there is Window Server containers, which provide greater levels of flexibilities, using this, we can integrate with existing windows technology, such as, .NET, ASP.NET, PowerShell, and more.</a:t>
             </a:r>
           </a:p>
         </p:txBody>
@@ -4345,9 +4193,9 @@
             <a:fld id="{A4F910E6-8D00-4BAF-8C48-9688E0B449D3}" type="datetime1">
               <a:rPr lang="zh-TW" altLang="en-US" smtClean="0"/>
               <a:pPr/>
-              <a:t>2020/4/22</a:t>
+              <a:t>2020/4/27</a:t>
             </a:fld>
-            <a:endParaRPr lang="zh-TW" altLang="en-US"/>
+            <a:endParaRPr lang="zh-TW" altLang="en-US" dirty="0"/>
           </a:p>
         </p:txBody>
       </p:sp>
@@ -4369,7 +4217,7 @@
             <a:fld id="{E4D7E63D-91F2-4366-A2C4-1B00C9E2590E}" type="slidenum">
               <a:rPr lang="zh-TW" altLang="en-US" smtClean="0"/>
               <a:pPr/>
-              <a:t>2</a:t>
+              <a:t>11</a:t>
             </a:fld>
             <a:endParaRPr lang="zh-TW" altLang="en-US"/>
           </a:p>
@@ -4378,7 +4226,7 @@
     </p:spTree>
     <p:extLst>
       <p:ext uri="{BB962C8B-B14F-4D97-AF65-F5344CB8AC3E}">
-        <p14:creationId xmlns:p14="http://schemas.microsoft.com/office/powerpoint/2010/main" val="2779232521"/>
+        <p14:creationId xmlns:p14="http://schemas.microsoft.com/office/powerpoint/2010/main" val="2412349158"/>
       </p:ext>
     </p:extLst>
   </p:cSld>
@@ -4388,7 +4236,144 @@
 </p:sld>
 </file>
 
-<file path=ppt/slides/slide3.xml><?xml version="1.0" encoding="utf-8"?>
+<file path=ppt/slides/slide12.xml><?xml version="1.0" encoding="utf-8"?>
+<p:sld xmlns:a="http://schemas.openxmlformats.org/drawingml/2006/main" xmlns:r="http://schemas.openxmlformats.org/officeDocument/2006/relationships" xmlns:p="http://schemas.openxmlformats.org/presentationml/2006/main">
+  <p:cSld>
+    <p:spTree>
+      <p:nvGrpSpPr>
+        <p:cNvPr id="1" name=""/>
+        <p:cNvGrpSpPr/>
+        <p:nvPr/>
+      </p:nvGrpSpPr>
+      <p:grpSpPr>
+        <a:xfrm>
+          <a:off x="0" y="0"/>
+          <a:ext cx="0" cy="0"/>
+          <a:chOff x="0" y="0"/>
+          <a:chExt cx="0" cy="0"/>
+        </a:xfrm>
+      </p:grpSpPr>
+      <p:sp>
+        <p:nvSpPr>
+          <p:cNvPr id="2" name="標題 1"/>
+          <p:cNvSpPr>
+            <a:spLocks noGrp="1"/>
+          </p:cNvSpPr>
+          <p:nvPr>
+            <p:ph type="ctrTitle"/>
+          </p:nvPr>
+        </p:nvSpPr>
+        <p:spPr>
+          <a:xfrm>
+            <a:off x="0" y="2130425"/>
+            <a:ext cx="9144000" cy="1470025"/>
+          </a:xfrm>
+          <a:gradFill flip="none" rotWithShape="1">
+            <a:gsLst>
+              <a:gs pos="0">
+                <a:srgbClr val="00B0F0">
+                  <a:shade val="30000"/>
+                  <a:satMod val="115000"/>
+                </a:srgbClr>
+              </a:gs>
+              <a:gs pos="50000">
+                <a:srgbClr val="00B0F0">
+                  <a:shade val="67500"/>
+                  <a:satMod val="115000"/>
+                </a:srgbClr>
+              </a:gs>
+              <a:gs pos="100000">
+                <a:srgbClr val="00B0F0">
+                  <a:shade val="100000"/>
+                  <a:satMod val="115000"/>
+                </a:srgbClr>
+              </a:gs>
+            </a:gsLst>
+            <a:path path="circle">
+              <a:fillToRect t="100000" r="100000"/>
+            </a:path>
+            <a:tileRect l="-100000" b="-100000"/>
+          </a:gradFill>
+        </p:spPr>
+        <p:txBody>
+          <a:bodyPr>
+            <a:normAutofit/>
+          </a:bodyPr>
+          <a:lstStyle/>
+          <a:p>
+            <a:r>
+              <a:rPr lang="en-US" altLang="zh-TW" sz="6000" b="1" dirty="0">
+                <a:solidFill>
+                  <a:srgbClr val="FFFF00"/>
+                </a:solidFill>
+              </a:rPr>
+              <a:t>End of Chapter</a:t>
+            </a:r>
+            <a:endParaRPr lang="zh-TW" altLang="en-US" sz="6000" b="1" dirty="0">
+              <a:solidFill>
+                <a:srgbClr val="FFFF00"/>
+              </a:solidFill>
+            </a:endParaRPr>
+          </a:p>
+        </p:txBody>
+      </p:sp>
+      <p:sp>
+        <p:nvSpPr>
+          <p:cNvPr id="5" name="日期版面配置區 4"/>
+          <p:cNvSpPr>
+            <a:spLocks noGrp="1"/>
+          </p:cNvSpPr>
+          <p:nvPr>
+            <p:ph type="dt" sz="half" idx="10"/>
+          </p:nvPr>
+        </p:nvSpPr>
+        <p:spPr/>
+        <p:txBody>
+          <a:bodyPr/>
+          <a:lstStyle/>
+          <a:p>
+            <a:fld id="{4E46BE27-E923-4EC2-B046-3272AE2A3E5C}" type="datetime1">
+              <a:rPr lang="zh-TW" altLang="en-US" smtClean="0"/>
+              <a:pPr/>
+              <a:t>2020/4/27</a:t>
+            </a:fld>
+            <a:endParaRPr lang="zh-TW" altLang="en-US"/>
+          </a:p>
+        </p:txBody>
+      </p:sp>
+      <p:sp>
+        <p:nvSpPr>
+          <p:cNvPr id="6" name="投影片編號版面配置區 5"/>
+          <p:cNvSpPr>
+            <a:spLocks noGrp="1"/>
+          </p:cNvSpPr>
+          <p:nvPr>
+            <p:ph type="sldNum" sz="quarter" idx="12"/>
+          </p:nvPr>
+        </p:nvSpPr>
+        <p:spPr/>
+        <p:txBody>
+          <a:bodyPr/>
+          <a:lstStyle/>
+          <a:p>
+            <a:fld id="{E4D7E63D-91F2-4366-A2C4-1B00C9E2590E}" type="slidenum">
+              <a:rPr lang="zh-TW" altLang="en-US" smtClean="0"/>
+              <a:pPr/>
+              <a:t>12</a:t>
+            </a:fld>
+            <a:endParaRPr lang="zh-TW" altLang="en-US"/>
+          </a:p>
+        </p:txBody>
+      </p:sp>
+    </p:spTree>
+  </p:cSld>
+  <p:clrMapOvr>
+    <a:masterClrMapping/>
+  </p:clrMapOvr>
+</p:sld>
+</file>
+
+<file path=ppt/slides/slide2.xml><?xml version="1.0" encoding="utf-8"?>
 <p:sld xmlns:a="http://schemas.openxmlformats.org/drawingml/2006/main" xmlns:r="http://schemas.openxmlformats.org/officeDocument/2006/relationships" xmlns:p="http://schemas.openxmlformats.org/presentationml/2006/main">
   <p:cSld>
     <p:spTree>
@@ -4483,7 +4468,7 @@
         <p:spPr>
           <a:xfrm>
             <a:off x="467544" y="1268762"/>
-            <a:ext cx="8352928" cy="864094"/>
+            <a:ext cx="8352928" cy="3096342"/>
           </a:xfrm>
           <a:ln>
             <a:solidFill>
@@ -4511,7 +4496,7 @@
                   <a:srgbClr val="C00000"/>
                 </a:solidFill>
               </a:rPr>
-              <a:t>Where can I see these containers?</a:t>
+              <a:t>What is containers?</a:t>
             </a:r>
           </a:p>
           <a:p>
@@ -4529,22 +4514,84 @@
                   <a:srgbClr val="C00000"/>
                 </a:solidFill>
               </a:rPr>
-              <a:t>All the different containers are sitting in: </a:t>
+              <a:t>Constrainers are an </a:t>
+            </a:r>
+            <a:r>
+              <a:rPr lang="en-US" sz="1800" i="1" dirty="0">
+                <a:solidFill>
+                  <a:srgbClr val="C00000"/>
+                </a:solidFill>
+              </a:rPr>
+              <a:t>isolated, resource controlled</a:t>
             </a:r>
             <a:r>
               <a:rPr lang="en-US" sz="1800" dirty="0">
                 <a:solidFill>
                   <a:srgbClr val="C00000"/>
                 </a:solidFill>
-                <a:hlinkClick r:id="rId2"/>
-              </a:rPr>
-              <a:t>https://hub.docker.com/explore/</a:t>
-            </a:r>
-            <a:endParaRPr lang="en-US" sz="1800" dirty="0">
-              <a:solidFill>
-                <a:srgbClr val="C00000"/>
-              </a:solidFill>
-            </a:endParaRPr>
+              </a:rPr>
+              <a:t>, and </a:t>
+            </a:r>
+            <a:r>
+              <a:rPr lang="en-US" sz="1800" i="1" dirty="0">
+                <a:solidFill>
+                  <a:srgbClr val="C00000"/>
+                </a:solidFill>
+              </a:rPr>
+              <a:t>portable operating </a:t>
+            </a:r>
+            <a:r>
+              <a:rPr lang="en-US" sz="1800" dirty="0">
+                <a:solidFill>
+                  <a:srgbClr val="C00000"/>
+                </a:solidFill>
+              </a:rPr>
+              <a:t>environment.</a:t>
+            </a:r>
+          </a:p>
+          <a:p>
+            <a:pPr marL="342900" indent="-342900" algn="l">
+              <a:buClr>
+                <a:srgbClr val="0070C0"/>
+              </a:buClr>
+              <a:buSzPct val="80000"/>
+              <a:buFont typeface="Wingdings" pitchFamily="2" charset="2"/>
+              <a:buChar char="u"/>
+            </a:pPr>
+            <a:r>
+              <a:rPr lang="en-US" sz="1800" dirty="0">
+                <a:solidFill>
+                  <a:srgbClr val="C00000"/>
+                </a:solidFill>
+              </a:rPr>
+              <a:t>Basically, a container is an isolated place where an application can run without affecting the rest of the system and without the system affecting the application. Container are the next evolution in virtualization.</a:t>
+            </a:r>
+          </a:p>
+          <a:p>
+            <a:pPr marL="342900" indent="-342900" algn="l">
+              <a:buClr>
+                <a:srgbClr val="0070C0"/>
+              </a:buClr>
+              <a:buSzPct val="80000"/>
+              <a:buFont typeface="Wingdings" pitchFamily="2" charset="2"/>
+              <a:buChar char="u"/>
+            </a:pPr>
+            <a:r>
+              <a:rPr lang="en-US" sz="1800" dirty="0">
+                <a:solidFill>
+                  <a:srgbClr val="C00000"/>
+                </a:solidFill>
+              </a:rPr>
+              <a:t>If you were inside a container, it would look very much like you were inside a freshy installed computer or virtual machine</a:t>
+            </a:r>
+            <a:r>
+              <a:rPr lang="en-US" sz="1800" dirty="0">
+                <a:solidFill>
+                  <a:schemeClr val="tx1"/>
+                </a:solidFill>
+              </a:rPr>
+              <a:t>. But actually, it is just container which actually had shared the same kernel but they just have different user space. They is why you feel like you are setting inside a freshly installed physical computer.</a:t>
+            </a:r>
           </a:p>
         </p:txBody>
       </p:sp>
@@ -4604,7 +4651,7 @@
             </a:pPr>
             <a:r>
               <a:rPr lang="en-US" sz="1600" dirty="0">
-                <a:hlinkClick r:id="rId3"/>
+                <a:hlinkClick r:id="rId2"/>
               </a:rPr>
               <a:t>https://www.youtube.com/watch?v=NYfKsgDv_yA&amp;list=PL6tu16kXT9PqdhOZk4MNVtQDJp6xFrotg&amp;index=2</a:t>
             </a:r>
@@ -4643,7 +4690,7 @@
             <a:fld id="{A4F910E6-8D00-4BAF-8C48-9688E0B449D3}" type="datetime1">
               <a:rPr lang="zh-TW" altLang="en-US" smtClean="0"/>
               <a:pPr/>
-              <a:t>2020/4/22</a:t>
+              <a:t>2020/4/27</a:t>
             </a:fld>
             <a:endParaRPr lang="zh-TW" altLang="en-US"/>
           </a:p>
@@ -4667,7 +4714,7 @@
             <a:fld id="{E4D7E63D-91F2-4366-A2C4-1B00C9E2590E}" type="slidenum">
               <a:rPr lang="zh-TW" altLang="en-US" smtClean="0"/>
               <a:pPr/>
-              <a:t>3</a:t>
+              <a:t>2</a:t>
             </a:fld>
             <a:endParaRPr lang="zh-TW" altLang="en-US"/>
           </a:p>
@@ -4676,7 +4723,7 @@
     </p:spTree>
     <p:extLst>
       <p:ext uri="{BB962C8B-B14F-4D97-AF65-F5344CB8AC3E}">
-        <p14:creationId xmlns:p14="http://schemas.microsoft.com/office/powerpoint/2010/main" val="416815741"/>
+        <p14:creationId xmlns:p14="http://schemas.microsoft.com/office/powerpoint/2010/main" val="2779232521"/>
       </p:ext>
     </p:extLst>
   </p:cSld>
@@ -4686,7 +4733,7 @@
 </p:sld>
 </file>
 
-<file path=ppt/slides/slide4.xml><?xml version="1.0" encoding="utf-8"?>
+<file path=ppt/slides/slide3.xml><?xml version="1.0" encoding="utf-8"?>
 <p:sld xmlns:a="http://schemas.openxmlformats.org/drawingml/2006/main" xmlns:r="http://schemas.openxmlformats.org/officeDocument/2006/relationships" xmlns:p="http://schemas.openxmlformats.org/presentationml/2006/main">
   <p:cSld>
     <p:spTree>
@@ -4781,7 +4828,7 @@
         <p:spPr>
           <a:xfrm>
             <a:off x="467544" y="1268762"/>
-            <a:ext cx="2952328" cy="2952326"/>
+            <a:ext cx="8352928" cy="2232246"/>
           </a:xfrm>
           <a:ln>
             <a:solidFill>
@@ -4806,10 +4853,10 @@
             <a:r>
               <a:rPr lang="en-US" sz="1800" b="1" dirty="0">
                 <a:solidFill>
-                  <a:srgbClr val="C00000"/>
-                </a:solidFill>
-              </a:rPr>
-              <a:t>Build, Ship, Run</a:t>
+                  <a:srgbClr val="FF0000"/>
+                </a:solidFill>
+              </a:rPr>
+              <a:t>What are Images?</a:t>
             </a:r>
           </a:p>
           <a:p>
@@ -4822,23 +4869,12 @@
               <a:buChar char="u"/>
             </a:pPr>
             <a:r>
-              <a:rPr lang="en-US" sz="1800" b="1" dirty="0">
-                <a:solidFill>
-                  <a:schemeClr val="tx1"/>
-                </a:solidFill>
-              </a:rPr>
-              <a:t>Go to: </a:t>
-            </a:r>
-            <a:r>
-              <a:rPr lang="en-US" sz="1800" b="1" dirty="0">
-                <a:solidFill>
-                  <a:schemeClr val="tx1"/>
-                </a:solidFill>
+              <a:rPr lang="en-US" sz="1800" dirty="0">
                 <a:hlinkClick r:id="rId2"/>
               </a:rPr>
-              <a:t>https://hub.docker.com</a:t>
-            </a:r>
-            <a:endParaRPr lang="en-US" sz="1800" b="1" dirty="0">
+              <a:t>https://www.youtube.com/watch?v=QBOcKdh-fwQ&amp;list=PLhW3qG5bs-L99pQsZ74f-LC-tOEsBp2rK&amp;index=9</a:t>
+            </a:r>
+            <a:endParaRPr lang="en-US" sz="1800" dirty="0">
               <a:solidFill>
                 <a:schemeClr val="tx1"/>
               </a:solidFill>
@@ -4856,10 +4892,10 @@
             <a:r>
               <a:rPr lang="en-US" sz="1800" b="1" dirty="0">
                 <a:solidFill>
-                  <a:schemeClr val="tx1"/>
-                </a:solidFill>
-              </a:rPr>
-              <a:t>You can create your ID and password.</a:t>
+                  <a:srgbClr val="C00000"/>
+                </a:solidFill>
+              </a:rPr>
+              <a:t>Docker images are templates used to create Docker containers.</a:t>
             </a:r>
           </a:p>
           <a:p>
@@ -4874,10 +4910,10 @@
             <a:r>
               <a:rPr lang="en-US" sz="1800" b="1" dirty="0">
                 <a:solidFill>
-                  <a:schemeClr val="tx1"/>
-                </a:solidFill>
-              </a:rPr>
-              <a:t>My ID: g120046634</a:t>
+                  <a:srgbClr val="C00000"/>
+                </a:solidFill>
+              </a:rPr>
+              <a:t>Container is a running instance od image.</a:t>
             </a:r>
           </a:p>
           <a:p>
@@ -4892,10 +4928,10 @@
             <a:r>
               <a:rPr lang="en-US" sz="1800" b="1" dirty="0">
                 <a:solidFill>
-                  <a:schemeClr val="tx1"/>
-                </a:solidFill>
-              </a:rPr>
-              <a:t>Click explorer</a:t>
+                  <a:srgbClr val="C00000"/>
+                </a:solidFill>
+              </a:rPr>
+              <a:t>Where are Images Stored?</a:t>
             </a:r>
           </a:p>
           <a:p>
@@ -4910,16 +4946,11 @@
             <a:r>
               <a:rPr lang="en-US" sz="1800" b="1" dirty="0">
                 <a:solidFill>
-                  <a:schemeClr val="tx1"/>
-                </a:solidFill>
-              </a:rPr>
-              <a:t>You can see MongoDB etc.</a:t>
-            </a:r>
-            <a:endParaRPr lang="en-US" sz="1800" dirty="0">
-              <a:solidFill>
-                <a:schemeClr val="tx1"/>
-              </a:solidFill>
-            </a:endParaRPr>
+                  <a:srgbClr val="C00000"/>
+                </a:solidFill>
+              </a:rPr>
+              <a:t>Registries , e.g., Docker Hub</a:t>
+            </a:r>
           </a:p>
         </p:txBody>
       </p:sp>
@@ -5018,9 +5049,377 @@
             <a:fld id="{A4F910E6-8D00-4BAF-8C48-9688E0B449D3}" type="datetime1">
               <a:rPr lang="zh-TW" altLang="en-US" smtClean="0"/>
               <a:pPr/>
-              <a:t>2020/4/22</a:t>
+              <a:t>2020/4/27</a:t>
             </a:fld>
-            <a:endParaRPr lang="zh-TW" altLang="en-US" dirty="0"/>
+            <a:endParaRPr lang="zh-TW" altLang="en-US"/>
+          </a:p>
+        </p:txBody>
+      </p:sp>
+      <p:sp>
+        <p:nvSpPr>
+          <p:cNvPr id="6" name="投影片編號版面配置區 5"/>
+          <p:cNvSpPr>
+            <a:spLocks noGrp="1"/>
+          </p:cNvSpPr>
+          <p:nvPr>
+            <p:ph type="sldNum" sz="quarter" idx="12"/>
+          </p:nvPr>
+        </p:nvSpPr>
+        <p:spPr/>
+        <p:txBody>
+          <a:bodyPr/>
+          <a:lstStyle/>
+          <a:p>
+            <a:fld id="{E4D7E63D-91F2-4366-A2C4-1B00C9E2590E}" type="slidenum">
+              <a:rPr lang="zh-TW" altLang="en-US" smtClean="0"/>
+              <a:pPr/>
+              <a:t>3</a:t>
+            </a:fld>
+            <a:endParaRPr lang="zh-TW" altLang="en-US"/>
+          </a:p>
+        </p:txBody>
+      </p:sp>
+      <p:pic>
+        <p:nvPicPr>
+          <p:cNvPr id="7" name="Picture 6">
+            <a:extLst>
+              <a:ext uri="{FF2B5EF4-FFF2-40B4-BE49-F238E27FC236}">
+                <a16:creationId xmlns:a16="http://schemas.microsoft.com/office/drawing/2014/main" id="{59A154D9-EED3-48C2-B325-2A74C37A3031}"/>
+              </a:ext>
+            </a:extLst>
+          </p:cNvPr>
+          <p:cNvPicPr>
+            <a:picLocks noChangeAspect="1"/>
+          </p:cNvPicPr>
+          <p:nvPr/>
+        </p:nvPicPr>
+        <p:blipFill>
+          <a:blip r:embed="rId4"/>
+          <a:stretch>
+            <a:fillRect/>
+          </a:stretch>
+        </p:blipFill>
+        <p:spPr>
+          <a:xfrm>
+            <a:off x="3779912" y="2958966"/>
+            <a:ext cx="4619625" cy="3400425"/>
+          </a:xfrm>
+          <a:prstGeom prst="rect">
+            <a:avLst/>
+          </a:prstGeom>
+          <a:ln>
+            <a:solidFill>
+              <a:srgbClr val="C00000"/>
+            </a:solidFill>
+          </a:ln>
+        </p:spPr>
+      </p:pic>
+      <p:pic>
+        <p:nvPicPr>
+          <p:cNvPr id="8" name="Picture 7">
+            <a:extLst>
+              <a:ext uri="{FF2B5EF4-FFF2-40B4-BE49-F238E27FC236}">
+                <a16:creationId xmlns:a16="http://schemas.microsoft.com/office/drawing/2014/main" id="{4989DF06-55D0-4A41-94F8-609947D002E9}"/>
+              </a:ext>
+            </a:extLst>
+          </p:cNvPr>
+          <p:cNvPicPr>
+            <a:picLocks noChangeAspect="1"/>
+          </p:cNvPicPr>
+          <p:nvPr/>
+        </p:nvPicPr>
+        <p:blipFill>
+          <a:blip r:embed="rId5"/>
+          <a:stretch>
+            <a:fillRect/>
+          </a:stretch>
+        </p:blipFill>
+        <p:spPr>
+          <a:xfrm>
+            <a:off x="744463" y="4157986"/>
+            <a:ext cx="2238375" cy="1838325"/>
+          </a:xfrm>
+          <a:prstGeom prst="rect">
+            <a:avLst/>
+          </a:prstGeom>
+          <a:ln>
+            <a:solidFill>
+              <a:srgbClr val="C00000"/>
+            </a:solidFill>
+          </a:ln>
+        </p:spPr>
+      </p:pic>
+    </p:spTree>
+    <p:extLst>
+      <p:ext uri="{BB962C8B-B14F-4D97-AF65-F5344CB8AC3E}">
+        <p14:creationId xmlns:p14="http://schemas.microsoft.com/office/powerpoint/2010/main" val="1650145110"/>
+      </p:ext>
+    </p:extLst>
+  </p:cSld>
+  <p:clrMapOvr>
+    <a:masterClrMapping/>
+  </p:clrMapOvr>
+</p:sld>
+</file>
+
+<file path=ppt/slides/slide4.xml><?xml version="1.0" encoding="utf-8"?>
+<p:sld xmlns:a="http://schemas.openxmlformats.org/drawingml/2006/main" xmlns:r="http://schemas.openxmlformats.org/officeDocument/2006/relationships" xmlns:p="http://schemas.openxmlformats.org/presentationml/2006/main">
+  <p:cSld>
+    <p:spTree>
+      <p:nvGrpSpPr>
+        <p:cNvPr id="1" name=""/>
+        <p:cNvGrpSpPr/>
+        <p:nvPr/>
+      </p:nvGrpSpPr>
+      <p:grpSpPr>
+        <a:xfrm>
+          <a:off x="0" y="0"/>
+          <a:ext cx="0" cy="0"/>
+          <a:chOff x="0" y="0"/>
+          <a:chExt cx="0" cy="0"/>
+        </a:xfrm>
+      </p:grpSpPr>
+      <p:sp>
+        <p:nvSpPr>
+          <p:cNvPr id="2" name="標題 1"/>
+          <p:cNvSpPr>
+            <a:spLocks noGrp="1"/>
+          </p:cNvSpPr>
+          <p:nvPr>
+            <p:ph type="ctrTitle"/>
+          </p:nvPr>
+        </p:nvSpPr>
+        <p:spPr>
+          <a:xfrm>
+            <a:off x="0" y="1"/>
+            <a:ext cx="9144000" cy="764704"/>
+          </a:xfrm>
+          <a:gradFill flip="none" rotWithShape="1">
+            <a:gsLst>
+              <a:gs pos="0">
+                <a:srgbClr val="C00000">
+                  <a:shade val="30000"/>
+                  <a:satMod val="115000"/>
+                </a:srgbClr>
+              </a:gs>
+              <a:gs pos="50000">
+                <a:srgbClr val="C00000">
+                  <a:shade val="67500"/>
+                  <a:satMod val="115000"/>
+                </a:srgbClr>
+              </a:gs>
+              <a:gs pos="100000">
+                <a:srgbClr val="C00000">
+                  <a:shade val="100000"/>
+                  <a:satMod val="115000"/>
+                </a:srgbClr>
+              </a:gs>
+            </a:gsLst>
+            <a:path path="circle">
+              <a:fillToRect t="100000" r="100000"/>
+            </a:path>
+            <a:tileRect l="-100000" b="-100000"/>
+          </a:gradFill>
+        </p:spPr>
+        <p:txBody>
+          <a:bodyPr>
+            <a:normAutofit/>
+          </a:bodyPr>
+          <a:lstStyle/>
+          <a:p>
+            <a:pPr algn="l"/>
+            <a:r>
+              <a:rPr lang="en-US" altLang="zh-TW" b="1" dirty="0">
+                <a:solidFill>
+                  <a:srgbClr val="FFFF00"/>
+                </a:solidFill>
+              </a:rPr>
+              <a:t>2 Container</a:t>
+            </a:r>
+            <a:endParaRPr lang="zh-TW" altLang="en-US" b="1" dirty="0">
+              <a:solidFill>
+                <a:srgbClr val="FFFF00"/>
+              </a:solidFill>
+            </a:endParaRPr>
+          </a:p>
+        </p:txBody>
+      </p:sp>
+      <p:sp>
+        <p:nvSpPr>
+          <p:cNvPr id="3" name="副標題 2"/>
+          <p:cNvSpPr>
+            <a:spLocks noGrp="1"/>
+          </p:cNvSpPr>
+          <p:nvPr>
+            <p:ph type="subTitle" idx="1"/>
+          </p:nvPr>
+        </p:nvSpPr>
+        <p:spPr>
+          <a:xfrm>
+            <a:off x="467544" y="1268762"/>
+            <a:ext cx="8352928" cy="864094"/>
+          </a:xfrm>
+          <a:ln>
+            <a:solidFill>
+              <a:srgbClr val="C00000"/>
+            </a:solidFill>
+          </a:ln>
+        </p:spPr>
+        <p:txBody>
+          <a:bodyPr>
+            <a:noAutofit/>
+          </a:bodyPr>
+          <a:lstStyle/>
+          <a:p>
+            <a:pPr marL="342900" indent="-342900" algn="l">
+              <a:buClr>
+                <a:srgbClr val="0070C0"/>
+              </a:buClr>
+              <a:buSzPct val="80000"/>
+              <a:buFont typeface="Wingdings" pitchFamily="2" charset="2"/>
+              <a:buChar char="u"/>
+            </a:pPr>
+            <a:r>
+              <a:rPr lang="en-US" sz="1800" b="1" dirty="0">
+                <a:solidFill>
+                  <a:srgbClr val="C00000"/>
+                </a:solidFill>
+              </a:rPr>
+              <a:t>Where can I see these containers?</a:t>
+            </a:r>
+          </a:p>
+          <a:p>
+            <a:pPr marL="342900" indent="-342900" algn="l">
+              <a:buClr>
+                <a:srgbClr val="0070C0"/>
+              </a:buClr>
+              <a:buSzPct val="80000"/>
+              <a:buFont typeface="Wingdings" pitchFamily="2" charset="2"/>
+              <a:buChar char="u"/>
+            </a:pPr>
+            <a:r>
+              <a:rPr lang="en-US" sz="1800" dirty="0">
+                <a:solidFill>
+                  <a:srgbClr val="C00000"/>
+                </a:solidFill>
+              </a:rPr>
+              <a:t>All the different containers are sitting in: </a:t>
+            </a:r>
+            <a:r>
+              <a:rPr lang="en-US" sz="1800" dirty="0">
+                <a:solidFill>
+                  <a:srgbClr val="C00000"/>
+                </a:solidFill>
+                <a:hlinkClick r:id="rId2"/>
+              </a:rPr>
+              <a:t>https://hub.docker.com/explore/</a:t>
+            </a:r>
+            <a:endParaRPr lang="en-US" sz="1800" dirty="0">
+              <a:solidFill>
+                <a:srgbClr val="C00000"/>
+              </a:solidFill>
+            </a:endParaRPr>
+          </a:p>
+        </p:txBody>
+      </p:sp>
+      <p:sp>
+        <p:nvSpPr>
+          <p:cNvPr id="4" name="標題 1"/>
+          <p:cNvSpPr txBox="1">
+            <a:spLocks/>
+          </p:cNvSpPr>
+          <p:nvPr/>
+        </p:nvSpPr>
+        <p:spPr>
+          <a:xfrm>
+            <a:off x="0" y="764704"/>
+            <a:ext cx="9144000" cy="360040"/>
+          </a:xfrm>
+          <a:prstGeom prst="rect">
+            <a:avLst/>
+          </a:prstGeom>
+          <a:gradFill flip="none" rotWithShape="1">
+            <a:gsLst>
+              <a:gs pos="0">
+                <a:srgbClr val="00B0F0">
+                  <a:shade val="30000"/>
+                  <a:satMod val="115000"/>
+                </a:srgbClr>
+              </a:gs>
+              <a:gs pos="50000">
+                <a:srgbClr val="00B0F0">
+                  <a:shade val="67500"/>
+                  <a:satMod val="115000"/>
+                </a:srgbClr>
+              </a:gs>
+              <a:gs pos="100000">
+                <a:srgbClr val="00B0F0">
+                  <a:shade val="100000"/>
+                  <a:satMod val="115000"/>
+                </a:srgbClr>
+              </a:gs>
+            </a:gsLst>
+            <a:path path="circle">
+              <a:fillToRect t="100000" r="100000"/>
+            </a:path>
+            <a:tileRect l="-100000" b="-100000"/>
+          </a:gradFill>
+        </p:spPr>
+        <p:txBody>
+          <a:bodyPr vert="horz" lIns="91440" tIns="45720" rIns="91440" bIns="45720" rtlCol="0" anchor="ctr">
+            <a:normAutofit/>
+          </a:bodyPr>
+          <a:lstStyle/>
+          <a:p>
+            <a:pPr lvl="0">
+              <a:spcBef>
+                <a:spcPct val="0"/>
+              </a:spcBef>
+            </a:pPr>
+            <a:r>
+              <a:rPr lang="en-US" sz="1600" dirty="0">
+                <a:hlinkClick r:id="rId3"/>
+              </a:rPr>
+              <a:t>https://www.youtube.com/watch?v=NYfKsgDv_yA&amp;list=PL6tu16kXT9PqdhOZk4MNVtQDJp6xFrotg&amp;index=2</a:t>
+            </a:r>
+            <a:endParaRPr kumimoji="0" lang="zh-TW" altLang="en-US" sz="1600" b="0" i="0" u="none" strike="noStrike" kern="1200" cap="none" spc="0" normalizeH="0" baseline="0" noProof="0" dirty="0">
+              <a:ln>
+                <a:noFill/>
+              </a:ln>
+              <a:solidFill>
+                <a:schemeClr val="tx1"/>
+              </a:solidFill>
+              <a:effectLst/>
+              <a:uLnTx/>
+              <a:uFillTx/>
+              <a:latin typeface="+mj-lt"/>
+              <a:ea typeface="+mj-ea"/>
+              <a:cs typeface="+mj-cs"/>
+            </a:endParaRPr>
+          </a:p>
+        </p:txBody>
+      </p:sp>
+      <p:sp>
+        <p:nvSpPr>
+          <p:cNvPr id="5" name="日期版面配置區 4"/>
+          <p:cNvSpPr>
+            <a:spLocks noGrp="1"/>
+          </p:cNvSpPr>
+          <p:nvPr>
+            <p:ph type="dt" sz="half" idx="10"/>
+          </p:nvPr>
+        </p:nvSpPr>
+        <p:spPr/>
+        <p:txBody>
+          <a:bodyPr/>
+          <a:lstStyle/>
+          <a:p>
+            <a:fld id="{A4F910E6-8D00-4BAF-8C48-9688E0B449D3}" type="datetime1">
+              <a:rPr lang="zh-TW" altLang="en-US" smtClean="0"/>
+              <a:pPr/>
+              <a:t>2020/4/27</a:t>
+            </a:fld>
+            <a:endParaRPr lang="zh-TW" altLang="en-US"/>
           </a:p>
         </p:txBody>
       </p:sp>
@@ -5043,6 +5442,381 @@
               <a:rPr lang="zh-TW" altLang="en-US" smtClean="0"/>
               <a:pPr/>
               <a:t>4</a:t>
+            </a:fld>
+            <a:endParaRPr lang="zh-TW" altLang="en-US"/>
+          </a:p>
+        </p:txBody>
+      </p:sp>
+    </p:spTree>
+    <p:extLst>
+      <p:ext uri="{BB962C8B-B14F-4D97-AF65-F5344CB8AC3E}">
+        <p14:creationId xmlns:p14="http://schemas.microsoft.com/office/powerpoint/2010/main" val="416815741"/>
+      </p:ext>
+    </p:extLst>
+  </p:cSld>
+  <p:clrMapOvr>
+    <a:masterClrMapping/>
+  </p:clrMapOvr>
+</p:sld>
+</file>
+
+<file path=ppt/slides/slide5.xml><?xml version="1.0" encoding="utf-8"?>
+<p:sld xmlns:a="http://schemas.openxmlformats.org/drawingml/2006/main" xmlns:r="http://schemas.openxmlformats.org/officeDocument/2006/relationships" xmlns:p="http://schemas.openxmlformats.org/presentationml/2006/main">
+  <p:cSld>
+    <p:spTree>
+      <p:nvGrpSpPr>
+        <p:cNvPr id="1" name=""/>
+        <p:cNvGrpSpPr/>
+        <p:nvPr/>
+      </p:nvGrpSpPr>
+      <p:grpSpPr>
+        <a:xfrm>
+          <a:off x="0" y="0"/>
+          <a:ext cx="0" cy="0"/>
+          <a:chOff x="0" y="0"/>
+          <a:chExt cx="0" cy="0"/>
+        </a:xfrm>
+      </p:grpSpPr>
+      <p:sp>
+        <p:nvSpPr>
+          <p:cNvPr id="2" name="標題 1"/>
+          <p:cNvSpPr>
+            <a:spLocks noGrp="1"/>
+          </p:cNvSpPr>
+          <p:nvPr>
+            <p:ph type="ctrTitle"/>
+          </p:nvPr>
+        </p:nvSpPr>
+        <p:spPr>
+          <a:xfrm>
+            <a:off x="0" y="1"/>
+            <a:ext cx="9144000" cy="764704"/>
+          </a:xfrm>
+          <a:gradFill flip="none" rotWithShape="1">
+            <a:gsLst>
+              <a:gs pos="0">
+                <a:srgbClr val="C00000">
+                  <a:shade val="30000"/>
+                  <a:satMod val="115000"/>
+                </a:srgbClr>
+              </a:gs>
+              <a:gs pos="50000">
+                <a:srgbClr val="C00000">
+                  <a:shade val="67500"/>
+                  <a:satMod val="115000"/>
+                </a:srgbClr>
+              </a:gs>
+              <a:gs pos="100000">
+                <a:srgbClr val="C00000">
+                  <a:shade val="100000"/>
+                  <a:satMod val="115000"/>
+                </a:srgbClr>
+              </a:gs>
+            </a:gsLst>
+            <a:path path="circle">
+              <a:fillToRect t="100000" r="100000"/>
+            </a:path>
+            <a:tileRect l="-100000" b="-100000"/>
+          </a:gradFill>
+        </p:spPr>
+        <p:txBody>
+          <a:bodyPr>
+            <a:normAutofit/>
+          </a:bodyPr>
+          <a:lstStyle/>
+          <a:p>
+            <a:pPr algn="l"/>
+            <a:r>
+              <a:rPr lang="en-US" altLang="zh-TW" b="1" dirty="0">
+                <a:solidFill>
+                  <a:srgbClr val="FFFF00"/>
+                </a:solidFill>
+              </a:rPr>
+              <a:t>2 Container</a:t>
+            </a:r>
+            <a:endParaRPr lang="zh-TW" altLang="en-US" b="1" dirty="0">
+              <a:solidFill>
+                <a:srgbClr val="FFFF00"/>
+              </a:solidFill>
+            </a:endParaRPr>
+          </a:p>
+        </p:txBody>
+      </p:sp>
+      <p:sp>
+        <p:nvSpPr>
+          <p:cNvPr id="3" name="副標題 2"/>
+          <p:cNvSpPr>
+            <a:spLocks noGrp="1"/>
+          </p:cNvSpPr>
+          <p:nvPr>
+            <p:ph type="subTitle" idx="1"/>
+          </p:nvPr>
+        </p:nvSpPr>
+        <p:spPr>
+          <a:xfrm>
+            <a:off x="467544" y="1268762"/>
+            <a:ext cx="2952328" cy="2952326"/>
+          </a:xfrm>
+          <a:ln>
+            <a:solidFill>
+              <a:srgbClr val="C00000"/>
+            </a:solidFill>
+          </a:ln>
+        </p:spPr>
+        <p:txBody>
+          <a:bodyPr>
+            <a:noAutofit/>
+          </a:bodyPr>
+          <a:lstStyle/>
+          <a:p>
+            <a:pPr marL="342900" indent="-342900" algn="l">
+              <a:buClr>
+                <a:srgbClr val="0070C0"/>
+              </a:buClr>
+              <a:buSzPct val="80000"/>
+              <a:buFont typeface="Wingdings" pitchFamily="2" charset="2"/>
+              <a:buChar char="u"/>
+            </a:pPr>
+            <a:r>
+              <a:rPr lang="en-US" sz="1800" b="1" dirty="0">
+                <a:solidFill>
+                  <a:srgbClr val="C00000"/>
+                </a:solidFill>
+              </a:rPr>
+              <a:t>Build, Ship, Run</a:t>
+            </a:r>
+          </a:p>
+          <a:p>
+            <a:pPr marL="342900" indent="-342900" algn="l">
+              <a:buClr>
+                <a:srgbClr val="0070C0"/>
+              </a:buClr>
+              <a:buSzPct val="80000"/>
+              <a:buFont typeface="Wingdings" pitchFamily="2" charset="2"/>
+              <a:buChar char="u"/>
+            </a:pPr>
+            <a:r>
+              <a:rPr lang="en-US" sz="1800" b="1" dirty="0">
+                <a:solidFill>
+                  <a:schemeClr val="tx1"/>
+                </a:solidFill>
+              </a:rPr>
+              <a:t>Go to: </a:t>
+            </a:r>
+            <a:r>
+              <a:rPr lang="en-US" sz="1800" b="1" dirty="0">
+                <a:solidFill>
+                  <a:schemeClr val="tx1"/>
+                </a:solidFill>
+                <a:hlinkClick r:id="rId2"/>
+              </a:rPr>
+              <a:t>https://hub.docker.com</a:t>
+            </a:r>
+            <a:endParaRPr lang="en-US" sz="1800" b="1" dirty="0">
+              <a:solidFill>
+                <a:schemeClr val="tx1"/>
+              </a:solidFill>
+            </a:endParaRPr>
+          </a:p>
+          <a:p>
+            <a:pPr marL="342900" indent="-342900" algn="l">
+              <a:buClr>
+                <a:srgbClr val="0070C0"/>
+              </a:buClr>
+              <a:buSzPct val="80000"/>
+              <a:buFont typeface="Wingdings" pitchFamily="2" charset="2"/>
+              <a:buChar char="u"/>
+            </a:pPr>
+            <a:r>
+              <a:rPr lang="en-US" sz="1800" b="1" dirty="0">
+                <a:solidFill>
+                  <a:schemeClr val="tx1"/>
+                </a:solidFill>
+              </a:rPr>
+              <a:t>You can create your ID and password.</a:t>
+            </a:r>
+          </a:p>
+          <a:p>
+            <a:pPr marL="342900" indent="-342900" algn="l">
+              <a:buClr>
+                <a:srgbClr val="0070C0"/>
+              </a:buClr>
+              <a:buSzPct val="80000"/>
+              <a:buFont typeface="Wingdings" pitchFamily="2" charset="2"/>
+              <a:buChar char="u"/>
+            </a:pPr>
+            <a:r>
+              <a:rPr lang="en-US" sz="1800" b="1" dirty="0">
+                <a:solidFill>
+                  <a:schemeClr val="tx1"/>
+                </a:solidFill>
+              </a:rPr>
+              <a:t>My ID: g120046634</a:t>
+            </a:r>
+          </a:p>
+          <a:p>
+            <a:pPr marL="342900" indent="-342900" algn="l">
+              <a:buClr>
+                <a:srgbClr val="0070C0"/>
+              </a:buClr>
+              <a:buSzPct val="80000"/>
+              <a:buFont typeface="Wingdings" pitchFamily="2" charset="2"/>
+              <a:buChar char="u"/>
+            </a:pPr>
+            <a:r>
+              <a:rPr lang="en-US" sz="1800" b="1" dirty="0">
+                <a:solidFill>
+                  <a:schemeClr val="tx1"/>
+                </a:solidFill>
+              </a:rPr>
+              <a:t>Click explorer</a:t>
+            </a:r>
+          </a:p>
+          <a:p>
+            <a:pPr marL="342900" indent="-342900" algn="l">
+              <a:buClr>
+                <a:srgbClr val="0070C0"/>
+              </a:buClr>
+              <a:buSzPct val="80000"/>
+              <a:buFont typeface="Wingdings" pitchFamily="2" charset="2"/>
+              <a:buChar char="u"/>
+            </a:pPr>
+            <a:r>
+              <a:rPr lang="en-US" sz="1800" b="1" dirty="0">
+                <a:solidFill>
+                  <a:schemeClr val="tx1"/>
+                </a:solidFill>
+              </a:rPr>
+              <a:t>You can see MongoDB etc.</a:t>
+            </a:r>
+            <a:endParaRPr lang="en-US" sz="1800" dirty="0">
+              <a:solidFill>
+                <a:schemeClr val="tx1"/>
+              </a:solidFill>
+            </a:endParaRPr>
+          </a:p>
+        </p:txBody>
+      </p:sp>
+      <p:sp>
+        <p:nvSpPr>
+          <p:cNvPr id="4" name="標題 1"/>
+          <p:cNvSpPr txBox="1">
+            <a:spLocks/>
+          </p:cNvSpPr>
+          <p:nvPr/>
+        </p:nvSpPr>
+        <p:spPr>
+          <a:xfrm>
+            <a:off x="0" y="764704"/>
+            <a:ext cx="9144000" cy="360040"/>
+          </a:xfrm>
+          <a:prstGeom prst="rect">
+            <a:avLst/>
+          </a:prstGeom>
+          <a:gradFill flip="none" rotWithShape="1">
+            <a:gsLst>
+              <a:gs pos="0">
+                <a:srgbClr val="00B0F0">
+                  <a:shade val="30000"/>
+                  <a:satMod val="115000"/>
+                </a:srgbClr>
+              </a:gs>
+              <a:gs pos="50000">
+                <a:srgbClr val="00B0F0">
+                  <a:shade val="67500"/>
+                  <a:satMod val="115000"/>
+                </a:srgbClr>
+              </a:gs>
+              <a:gs pos="100000">
+                <a:srgbClr val="00B0F0">
+                  <a:shade val="100000"/>
+                  <a:satMod val="115000"/>
+                </a:srgbClr>
+              </a:gs>
+            </a:gsLst>
+            <a:path path="circle">
+              <a:fillToRect t="100000" r="100000"/>
+            </a:path>
+            <a:tileRect l="-100000" b="-100000"/>
+          </a:gradFill>
+        </p:spPr>
+        <p:txBody>
+          <a:bodyPr vert="horz" lIns="91440" tIns="45720" rIns="91440" bIns="45720" rtlCol="0" anchor="ctr">
+            <a:normAutofit/>
+          </a:bodyPr>
+          <a:lstStyle/>
+          <a:p>
+            <a:pPr lvl="0">
+              <a:spcBef>
+                <a:spcPct val="0"/>
+              </a:spcBef>
+            </a:pPr>
+            <a:r>
+              <a:rPr lang="en-US" sz="1600" dirty="0">
+                <a:hlinkClick r:id="rId3"/>
+              </a:rPr>
+              <a:t>https://www.youtube.com/watch?v=NYfKsgDv_yA&amp;list=PL6tu16kXT9PqdhOZk4MNVtQDJp6xFrotg&amp;index=2</a:t>
+            </a:r>
+            <a:endParaRPr kumimoji="0" lang="zh-TW" altLang="en-US" sz="1600" b="0" i="0" u="none" strike="noStrike" kern="1200" cap="none" spc="0" normalizeH="0" baseline="0" noProof="0" dirty="0">
+              <a:ln>
+                <a:noFill/>
+              </a:ln>
+              <a:solidFill>
+                <a:schemeClr val="tx1"/>
+              </a:solidFill>
+              <a:effectLst/>
+              <a:uLnTx/>
+              <a:uFillTx/>
+              <a:latin typeface="+mj-lt"/>
+              <a:ea typeface="+mj-ea"/>
+              <a:cs typeface="+mj-cs"/>
+            </a:endParaRPr>
+          </a:p>
+        </p:txBody>
+      </p:sp>
+      <p:sp>
+        <p:nvSpPr>
+          <p:cNvPr id="5" name="日期版面配置區 4"/>
+          <p:cNvSpPr>
+            <a:spLocks noGrp="1"/>
+          </p:cNvSpPr>
+          <p:nvPr>
+            <p:ph type="dt" sz="half" idx="10"/>
+          </p:nvPr>
+        </p:nvSpPr>
+        <p:spPr/>
+        <p:txBody>
+          <a:bodyPr/>
+          <a:lstStyle/>
+          <a:p>
+            <a:fld id="{A4F910E6-8D00-4BAF-8C48-9688E0B449D3}" type="datetime1">
+              <a:rPr lang="zh-TW" altLang="en-US" smtClean="0"/>
+              <a:pPr/>
+              <a:t>2020/4/27</a:t>
+            </a:fld>
+            <a:endParaRPr lang="zh-TW" altLang="en-US" dirty="0"/>
+          </a:p>
+        </p:txBody>
+      </p:sp>
+      <p:sp>
+        <p:nvSpPr>
+          <p:cNvPr id="6" name="投影片編號版面配置區 5"/>
+          <p:cNvSpPr>
+            <a:spLocks noGrp="1"/>
+          </p:cNvSpPr>
+          <p:nvPr>
+            <p:ph type="sldNum" sz="quarter" idx="12"/>
+          </p:nvPr>
+        </p:nvSpPr>
+        <p:spPr/>
+        <p:txBody>
+          <a:bodyPr/>
+          <a:lstStyle/>
+          <a:p>
+            <a:fld id="{E4D7E63D-91F2-4366-A2C4-1B00C9E2590E}" type="slidenum">
+              <a:rPr lang="zh-TW" altLang="en-US" smtClean="0"/>
+              <a:pPr/>
+              <a:t>5</a:t>
             </a:fld>
             <a:endParaRPr lang="zh-TW" altLang="en-US"/>
           </a:p>
@@ -5096,7 +5870,7 @@
 </p:sld>
 </file>
 
-<file path=ppt/slides/slide5.xml><?xml version="1.0" encoding="utf-8"?>
+<file path=ppt/slides/slide6.xml><?xml version="1.0" encoding="utf-8"?>
 <p:sld xmlns:a="http://schemas.openxmlformats.org/drawingml/2006/main" xmlns:r="http://schemas.openxmlformats.org/officeDocument/2006/relationships" xmlns:p="http://schemas.openxmlformats.org/presentationml/2006/main">
   <p:cSld>
     <p:spTree>
@@ -5360,7 +6134,7 @@
             <a:fld id="{A4F910E6-8D00-4BAF-8C48-9688E0B449D3}" type="datetime1">
               <a:rPr lang="zh-TW" altLang="en-US" smtClean="0"/>
               <a:pPr/>
-              <a:t>2020/4/22</a:t>
+              <a:t>2020/4/27</a:t>
             </a:fld>
             <a:endParaRPr lang="zh-TW" altLang="en-US" dirty="0"/>
           </a:p>
@@ -5384,7 +6158,7 @@
             <a:fld id="{E4D7E63D-91F2-4366-A2C4-1B00C9E2590E}" type="slidenum">
               <a:rPr lang="zh-TW" altLang="en-US" smtClean="0"/>
               <a:pPr/>
-              <a:t>5</a:t>
+              <a:t>6</a:t>
             </a:fld>
             <a:endParaRPr lang="zh-TW" altLang="en-US"/>
           </a:p>
@@ -5438,7 +6212,7 @@
 </p:sld>
 </file>
 
-<file path=ppt/slides/slide6.xml><?xml version="1.0" encoding="utf-8"?>
+<file path=ppt/slides/slide7.xml><?xml version="1.0" encoding="utf-8"?>
 <p:sld xmlns:a="http://schemas.openxmlformats.org/drawingml/2006/main" xmlns:r="http://schemas.openxmlformats.org/officeDocument/2006/relationships" xmlns:p="http://schemas.openxmlformats.org/presentationml/2006/main">
   <p:cSld>
     <p:spTree>
@@ -5726,7 +6500,7 @@
             <a:fld id="{A4F910E6-8D00-4BAF-8C48-9688E0B449D3}" type="datetime1">
               <a:rPr lang="zh-TW" altLang="en-US" smtClean="0"/>
               <a:pPr/>
-              <a:t>2020/4/22</a:t>
+              <a:t>2020/4/27</a:t>
             </a:fld>
             <a:endParaRPr lang="zh-TW" altLang="en-US" dirty="0"/>
           </a:p>
@@ -5750,7 +6524,7 @@
             <a:fld id="{E4D7E63D-91F2-4366-A2C4-1B00C9E2590E}" type="slidenum">
               <a:rPr lang="zh-TW" altLang="en-US" smtClean="0"/>
               <a:pPr/>
-              <a:t>6</a:t>
+              <a:t>7</a:t>
             </a:fld>
             <a:endParaRPr lang="zh-TW" altLang="en-US"/>
           </a:p>
@@ -5884,7 +6658,7 @@
 </p:sld>
 </file>
 
-<file path=ppt/slides/slide7.xml><?xml version="1.0" encoding="utf-8"?>
+<file path=ppt/slides/slide8.xml><?xml version="1.0" encoding="utf-8"?>
 <p:sld xmlns:a="http://schemas.openxmlformats.org/drawingml/2006/main" xmlns:r="http://schemas.openxmlformats.org/officeDocument/2006/relationships" xmlns:p="http://schemas.openxmlformats.org/presentationml/2006/main">
   <p:cSld>
     <p:spTree>
@@ -6245,7 +7019,7 @@
             <a:fld id="{A4F910E6-8D00-4BAF-8C48-9688E0B449D3}" type="datetime1">
               <a:rPr lang="zh-TW" altLang="en-US" smtClean="0"/>
               <a:pPr/>
-              <a:t>2020/4/22</a:t>
+              <a:t>2020/4/27</a:t>
             </a:fld>
             <a:endParaRPr lang="zh-TW" altLang="en-US" dirty="0"/>
           </a:p>
@@ -6269,7 +7043,7 @@
             <a:fld id="{E4D7E63D-91F2-4366-A2C4-1B00C9E2590E}" type="slidenum">
               <a:rPr lang="zh-TW" altLang="en-US" smtClean="0"/>
               <a:pPr/>
-              <a:t>7</a:t>
+              <a:t>8</a:t>
             </a:fld>
             <a:endParaRPr lang="zh-TW" altLang="en-US"/>
           </a:p>
@@ -6288,7 +7062,7 @@
 </p:sld>
 </file>
 
-<file path=ppt/slides/slide8.xml><?xml version="1.0" encoding="utf-8"?>
+<file path=ppt/slides/slide9.xml><?xml version="1.0" encoding="utf-8"?>
 <p:sld xmlns:a="http://schemas.openxmlformats.org/drawingml/2006/main" xmlns:r="http://schemas.openxmlformats.org/officeDocument/2006/relationships" xmlns:p="http://schemas.openxmlformats.org/presentationml/2006/main">
   <p:cSld>
     <p:spTree>
@@ -6633,351 +7407,7 @@
             <a:fld id="{A4F910E6-8D00-4BAF-8C48-9688E0B449D3}" type="datetime1">
               <a:rPr lang="zh-TW" altLang="en-US" smtClean="0"/>
               <a:pPr/>
-              <a:t>2020/4/22</a:t>
-            </a:fld>
-            <a:endParaRPr lang="zh-TW" altLang="en-US" dirty="0"/>
-          </a:p>
-        </p:txBody>
-      </p:sp>
-      <p:sp>
-        <p:nvSpPr>
-          <p:cNvPr id="6" name="投影片編號版面配置區 5"/>
-          <p:cNvSpPr>
-            <a:spLocks noGrp="1"/>
-          </p:cNvSpPr>
-          <p:nvPr>
-            <p:ph type="sldNum" sz="quarter" idx="12"/>
-          </p:nvPr>
-        </p:nvSpPr>
-        <p:spPr/>
-        <p:txBody>
-          <a:bodyPr/>
-          <a:lstStyle/>
-          <a:p>
-            <a:fld id="{E4D7E63D-91F2-4366-A2C4-1B00C9E2590E}" type="slidenum">
-              <a:rPr lang="zh-TW" altLang="en-US" smtClean="0"/>
-              <a:pPr/>
-              <a:t>8</a:t>
-            </a:fld>
-            <a:endParaRPr lang="zh-TW" altLang="en-US"/>
-          </a:p>
-        </p:txBody>
-      </p:sp>
-    </p:spTree>
-    <p:extLst>
-      <p:ext uri="{BB962C8B-B14F-4D97-AF65-F5344CB8AC3E}">
-        <p14:creationId xmlns:p14="http://schemas.microsoft.com/office/powerpoint/2010/main" val="128199622"/>
-      </p:ext>
-    </p:extLst>
-  </p:cSld>
-  <p:clrMapOvr>
-    <a:masterClrMapping/>
-  </p:clrMapOvr>
-</p:sld>
-</file>
-
-<file path=ppt/slides/slide9.xml><?xml version="1.0" encoding="utf-8"?>
-<p:sld xmlns:a="http://schemas.openxmlformats.org/drawingml/2006/main" xmlns:r="http://schemas.openxmlformats.org/officeDocument/2006/relationships" xmlns:p="http://schemas.openxmlformats.org/presentationml/2006/main">
-  <p:cSld>
-    <p:spTree>
-      <p:nvGrpSpPr>
-        <p:cNvPr id="1" name=""/>
-        <p:cNvGrpSpPr/>
-        <p:nvPr/>
-      </p:nvGrpSpPr>
-      <p:grpSpPr>
-        <a:xfrm>
-          <a:off x="0" y="0"/>
-          <a:ext cx="0" cy="0"/>
-          <a:chOff x="0" y="0"/>
-          <a:chExt cx="0" cy="0"/>
-        </a:xfrm>
-      </p:grpSpPr>
-      <p:sp>
-        <p:nvSpPr>
-          <p:cNvPr id="2" name="標題 1"/>
-          <p:cNvSpPr>
-            <a:spLocks noGrp="1"/>
-          </p:cNvSpPr>
-          <p:nvPr>
-            <p:ph type="ctrTitle"/>
-          </p:nvPr>
-        </p:nvSpPr>
-        <p:spPr>
-          <a:xfrm>
-            <a:off x="0" y="1"/>
-            <a:ext cx="9144000" cy="764704"/>
-          </a:xfrm>
-          <a:gradFill flip="none" rotWithShape="1">
-            <a:gsLst>
-              <a:gs pos="0">
-                <a:srgbClr val="C00000">
-                  <a:shade val="30000"/>
-                  <a:satMod val="115000"/>
-                </a:srgbClr>
-              </a:gs>
-              <a:gs pos="50000">
-                <a:srgbClr val="C00000">
-                  <a:shade val="67500"/>
-                  <a:satMod val="115000"/>
-                </a:srgbClr>
-              </a:gs>
-              <a:gs pos="100000">
-                <a:srgbClr val="C00000">
-                  <a:shade val="100000"/>
-                  <a:satMod val="115000"/>
-                </a:srgbClr>
-              </a:gs>
-            </a:gsLst>
-            <a:path path="circle">
-              <a:fillToRect t="100000" r="100000"/>
-            </a:path>
-            <a:tileRect l="-100000" b="-100000"/>
-          </a:gradFill>
-        </p:spPr>
-        <p:txBody>
-          <a:bodyPr>
-            <a:normAutofit/>
-          </a:bodyPr>
-          <a:lstStyle/>
-          <a:p>
-            <a:pPr algn="l"/>
-            <a:r>
-              <a:rPr lang="en-US" altLang="zh-TW" b="1" dirty="0">
-                <a:solidFill>
-                  <a:srgbClr val="FFFF00"/>
-                </a:solidFill>
-              </a:rPr>
-              <a:t>2 Container</a:t>
-            </a:r>
-            <a:endParaRPr lang="zh-TW" altLang="en-US" b="1" dirty="0">
-              <a:solidFill>
-                <a:srgbClr val="FFFF00"/>
-              </a:solidFill>
-            </a:endParaRPr>
-          </a:p>
-        </p:txBody>
-      </p:sp>
-      <p:sp>
-        <p:nvSpPr>
-          <p:cNvPr id="3" name="副標題 2"/>
-          <p:cNvSpPr>
-            <a:spLocks noGrp="1"/>
-          </p:cNvSpPr>
-          <p:nvPr>
-            <p:ph type="subTitle" idx="1"/>
-          </p:nvPr>
-        </p:nvSpPr>
-        <p:spPr>
-          <a:xfrm>
-            <a:off x="467544" y="1268761"/>
-            <a:ext cx="8219256" cy="2304255"/>
-          </a:xfrm>
-          <a:ln>
-            <a:solidFill>
-              <a:srgbClr val="C00000"/>
-            </a:solidFill>
-          </a:ln>
-        </p:spPr>
-        <p:txBody>
-          <a:bodyPr>
-            <a:noAutofit/>
-          </a:bodyPr>
-          <a:lstStyle/>
-          <a:p>
-            <a:pPr marL="342900" indent="-342900" algn="l">
-              <a:buClr>
-                <a:srgbClr val="0070C0"/>
-              </a:buClr>
-              <a:buSzPct val="80000"/>
-              <a:buFont typeface="Wingdings" pitchFamily="2" charset="2"/>
-              <a:buChar char="u"/>
-            </a:pPr>
-            <a:r>
-              <a:rPr lang="en-US" sz="1800" b="1" dirty="0">
-                <a:solidFill>
-                  <a:srgbClr val="C00000"/>
-                </a:solidFill>
-              </a:rPr>
-              <a:t>Component re-use</a:t>
-            </a:r>
-          </a:p>
-          <a:p>
-            <a:pPr marL="342900" indent="-342900" algn="l">
-              <a:buClr>
-                <a:srgbClr val="0070C0"/>
-              </a:buClr>
-              <a:buSzPct val="80000"/>
-              <a:buFont typeface="Wingdings" pitchFamily="2" charset="2"/>
-              <a:buChar char="u"/>
-            </a:pPr>
-            <a:r>
-              <a:rPr lang="en-US" sz="1800" dirty="0">
-                <a:solidFill>
-                  <a:schemeClr val="tx1"/>
-                </a:solidFill>
-              </a:rPr>
-              <a:t>Any Container can be used as a </a:t>
-            </a:r>
-            <a:r>
-              <a:rPr lang="en-US" sz="1800" b="1" dirty="0">
-                <a:solidFill>
-                  <a:schemeClr val="tx1"/>
-                </a:solidFill>
-              </a:rPr>
-              <a:t>“base image” </a:t>
-            </a:r>
-            <a:r>
-              <a:rPr lang="en-US" sz="1800" dirty="0">
-                <a:solidFill>
-                  <a:schemeClr val="tx1"/>
-                </a:solidFill>
-              </a:rPr>
-              <a:t>to create more specialized components</a:t>
-            </a:r>
-            <a:r>
-              <a:rPr lang="en-US" sz="1800" b="1" dirty="0">
-                <a:solidFill>
-                  <a:schemeClr val="tx1"/>
-                </a:solidFill>
-              </a:rPr>
-              <a:t>.</a:t>
-            </a:r>
-          </a:p>
-          <a:p>
-            <a:pPr marL="342900" indent="-342900" algn="l">
-              <a:buClr>
-                <a:srgbClr val="0070C0"/>
-              </a:buClr>
-              <a:buSzPct val="80000"/>
-              <a:buFont typeface="Wingdings" pitchFamily="2" charset="2"/>
-              <a:buChar char="u"/>
-            </a:pPr>
-            <a:r>
-              <a:rPr lang="en-US" sz="1800" dirty="0">
-                <a:solidFill>
-                  <a:schemeClr val="tx1"/>
-                </a:solidFill>
-              </a:rPr>
-              <a:t>This can be done manually or as part of an automated build. For example, you can prepare the ideal python environment, and use it as a base for 10 different applications.</a:t>
-            </a:r>
-          </a:p>
-          <a:p>
-            <a:pPr marL="342900" indent="-342900" algn="l">
-              <a:buClr>
-                <a:srgbClr val="0070C0"/>
-              </a:buClr>
-              <a:buSzPct val="80000"/>
-              <a:buFont typeface="Wingdings" pitchFamily="2" charset="2"/>
-              <a:buChar char="u"/>
-            </a:pPr>
-            <a:r>
-              <a:rPr lang="en-US" sz="1800" dirty="0">
-                <a:solidFill>
-                  <a:schemeClr val="tx1"/>
-                </a:solidFill>
-              </a:rPr>
-              <a:t>Your ideal Postgresql setup can be re-used for all your future projects, and so on.</a:t>
-            </a:r>
-          </a:p>
-        </p:txBody>
-      </p:sp>
-      <p:sp>
-        <p:nvSpPr>
-          <p:cNvPr id="4" name="標題 1"/>
-          <p:cNvSpPr txBox="1">
-            <a:spLocks/>
-          </p:cNvSpPr>
-          <p:nvPr/>
-        </p:nvSpPr>
-        <p:spPr>
-          <a:xfrm>
-            <a:off x="0" y="764704"/>
-            <a:ext cx="9144000" cy="360040"/>
-          </a:xfrm>
-          <a:prstGeom prst="rect">
-            <a:avLst/>
-          </a:prstGeom>
-          <a:gradFill flip="none" rotWithShape="1">
-            <a:gsLst>
-              <a:gs pos="0">
-                <a:srgbClr val="00B0F0">
-                  <a:shade val="30000"/>
-                  <a:satMod val="115000"/>
-                </a:srgbClr>
-              </a:gs>
-              <a:gs pos="50000">
-                <a:srgbClr val="00B0F0">
-                  <a:shade val="67500"/>
-                  <a:satMod val="115000"/>
-                </a:srgbClr>
-              </a:gs>
-              <a:gs pos="100000">
-                <a:srgbClr val="00B0F0">
-                  <a:shade val="100000"/>
-                  <a:satMod val="115000"/>
-                </a:srgbClr>
-              </a:gs>
-            </a:gsLst>
-            <a:path path="circle">
-              <a:fillToRect t="100000" r="100000"/>
-            </a:path>
-            <a:tileRect l="-100000" b="-100000"/>
-          </a:gradFill>
-        </p:spPr>
-        <p:txBody>
-          <a:bodyPr vert="horz" lIns="91440" tIns="45720" rIns="91440" bIns="45720" rtlCol="0" anchor="ctr">
-            <a:normAutofit/>
-          </a:bodyPr>
-          <a:lstStyle/>
-          <a:p>
-            <a:pPr lvl="0">
-              <a:spcBef>
-                <a:spcPct val="0"/>
-              </a:spcBef>
-            </a:pPr>
-            <a:r>
-              <a:rPr lang="en-US" sz="1600" dirty="0">
-                <a:hlinkClick r:id="rId2"/>
-              </a:rPr>
-              <a:t>https://www.youtube.com/watch?v=NYfKsgDv_yA&amp;list=PL6tu16kXT9PqdhOZk4MNVtQDJp6xFrotg&amp;index=2</a:t>
-            </a:r>
-            <a:endParaRPr kumimoji="0" lang="zh-TW" altLang="en-US" sz="1600" b="0" i="0" u="none" strike="noStrike" kern="1200" cap="none" spc="0" normalizeH="0" baseline="0" noProof="0" dirty="0">
-              <a:ln>
-                <a:noFill/>
-              </a:ln>
-              <a:solidFill>
-                <a:schemeClr val="tx1"/>
-              </a:solidFill>
-              <a:effectLst/>
-              <a:uLnTx/>
-              <a:uFillTx/>
-              <a:latin typeface="+mj-lt"/>
-              <a:ea typeface="+mj-ea"/>
-              <a:cs typeface="+mj-cs"/>
-            </a:endParaRPr>
-          </a:p>
-        </p:txBody>
-      </p:sp>
-      <p:sp>
-        <p:nvSpPr>
-          <p:cNvPr id="5" name="日期版面配置區 4"/>
-          <p:cNvSpPr>
-            <a:spLocks noGrp="1"/>
-          </p:cNvSpPr>
-          <p:nvPr>
-            <p:ph type="dt" sz="half" idx="10"/>
-          </p:nvPr>
-        </p:nvSpPr>
-        <p:spPr/>
-        <p:txBody>
-          <a:bodyPr/>
-          <a:lstStyle/>
-          <a:p>
-            <a:fld id="{A4F910E6-8D00-4BAF-8C48-9688E0B449D3}" type="datetime1">
-              <a:rPr lang="zh-TW" altLang="en-US" smtClean="0"/>
-              <a:pPr/>
-              <a:t>2020/4/22</a:t>
+              <a:t>2020/4/27</a:t>
             </a:fld>
             <a:endParaRPr lang="zh-TW" altLang="en-US" dirty="0"/>
           </a:p>
@@ -7010,7 +7440,7 @@
     </p:spTree>
     <p:extLst>
       <p:ext uri="{BB962C8B-B14F-4D97-AF65-F5344CB8AC3E}">
-        <p14:creationId xmlns:p14="http://schemas.microsoft.com/office/powerpoint/2010/main" val="2329158062"/>
+        <p14:creationId xmlns:p14="http://schemas.microsoft.com/office/powerpoint/2010/main" val="128199622"/>
       </p:ext>
     </p:extLst>
   </p:cSld>
